--- a/Coursera-capstone presentation.pptx
+++ b/Coursera-capstone presentation.pptx
@@ -4871,6 +4871,18 @@
             <a:br>
               <a:rPr lang="en-US" sz="1600" i="1" dirty="0"/>
             </a:br>
+            <a:r>
+              <a:rPr lang="en-US" sz="1600" i="1" dirty="0" smtClean="0"/>
+              <a:t>Date: March 8</a:t>
+            </a:r>
+            <a:r>
+              <a:rPr lang="en-US" sz="1600" i="1" baseline="30000" dirty="0" smtClean="0"/>
+              <a:t>th</a:t>
+            </a:r>
+            <a:r>
+              <a:rPr lang="en-US" sz="1600" i="1" dirty="0" smtClean="0"/>
+              <a:t>, 2020</a:t>
+            </a:r>
             <a:endParaRPr lang="en-US" sz="1600" i="1" dirty="0"/>
           </a:p>
         </p:txBody>
@@ -5462,7 +5474,6 @@
               <a:rPr lang="en-US" b="0" dirty="0"/>
               <a:t> to open a Chinese restaurant as the towns are mainly in outskirts of the city where population belongs to low-mid income and prefer traditional cuisines and fast food. Secondly, Chinese moving to Pakistan are likely to stay in or around the city center due to its proximity to the offices and other amenities. </a:t>
             </a:r>
-            <a:endParaRPr lang="en-US" b="0" dirty="0"/>
           </a:p>
           <a:p>
             <a:pPr>
@@ -5595,7 +5606,6 @@
               <a:rPr lang="en-US" b="0" dirty="0"/>
               <a:t> town has high foot traffic from people coming to the downtown for movies and eating out. If in such a locality, Chinese restaurant option is available to the people, chances of it getting successful are very high. </a:t>
             </a:r>
-            <a:endParaRPr lang="en-US" b="0" dirty="0"/>
           </a:p>
           <a:p>
             <a:pPr>
@@ -5613,7 +5623,6 @@
               <a:rPr lang="en-US" dirty="0"/>
               <a:t>HENCE I SUGGEST OPENING OF A CHINESE RESTAURANT IN SADDAR TOWN, KARACHI. </a:t>
             </a:r>
-            <a:endParaRPr lang="en-US" dirty="0"/>
           </a:p>
           <a:p>
             <a:endParaRPr lang="en-US" dirty="0"/>
@@ -5816,11 +5825,6 @@
               </a:rPr>
               <a:t>: Booming consumerism of Pakistan </a:t>
             </a:r>
-            <a:endParaRPr lang="en-US" sz="1900" dirty="0">
-              <a:solidFill>
-                <a:srgbClr val="000090"/>
-              </a:solidFill>
-            </a:endParaRPr>
           </a:p>
           <a:p>
             <a:pPr>
@@ -5879,7 +5883,6 @@
               <a:rPr lang="en-US" b="0" dirty="0"/>
               <a:t>and hence decent chunk of disposable income is spent on eating out. </a:t>
             </a:r>
-            <a:endParaRPr lang="en-US" b="0" dirty="0"/>
           </a:p>
           <a:p>
             <a:pPr>
@@ -5928,7 +5931,6 @@
               <a:rPr lang="en-US" b="0" dirty="0"/>
               <a:t>, businessmen and students, Chinese cuisines are likely to do well. </a:t>
             </a:r>
-            <a:endParaRPr lang="en-US" b="0" dirty="0"/>
           </a:p>
           <a:p>
             <a:endParaRPr lang="en-US" dirty="0"/>
@@ -6126,7 +6128,6 @@
               <a:rPr lang="en-US" b="0" dirty="0"/>
               <a:t>Following data will be used for analysis: </a:t>
             </a:r>
-            <a:endParaRPr lang="en-US" b="0" dirty="0"/>
           </a:p>
           <a:p>
             <a:pPr>
@@ -6159,7 +6160,6 @@
               <a:rPr lang="en-US" b="0" dirty="0"/>
               <a:t> </a:t>
             </a:r>
-            <a:endParaRPr lang="en-US" b="0" dirty="0"/>
           </a:p>
           <a:p>
             <a:pPr>
@@ -6228,7 +6228,6 @@
               <a:rPr lang="en-US" b="0" dirty="0"/>
               <a:t>, Google API will be used to get the coordinates for each town. </a:t>
             </a:r>
-            <a:endParaRPr lang="en-US" b="0" dirty="0"/>
           </a:p>
           <a:p>
             <a:endParaRPr lang="en-US" dirty="0"/>
@@ -6405,14 +6404,12 @@
               <a:rPr lang="en-US" b="0" dirty="0"/>
               <a:t>The scraped data contains names of the towns in Karachi. For each town we will first get the coordinates using Google API. Once we have the coordinates for each town, we will clean the data and so that there are no Nan values, missing data etc. </a:t>
             </a:r>
-            <a:endParaRPr lang="en-US" b="0" dirty="0"/>
           </a:p>
           <a:p>
             <a:r>
               <a:rPr lang="en-US" b="0" dirty="0"/>
               <a:t>Using foursquare API, we will analyze all the towns and check nearby venues/ amenities. </a:t>
             </a:r>
-            <a:endParaRPr lang="en-US" b="0" dirty="0"/>
           </a:p>
           <a:p>
             <a:endParaRPr lang="en-US" dirty="0"/>
@@ -6572,7 +6569,6 @@
               <a:rPr lang="en-US" b="0" dirty="0"/>
               <a:t>As the objective is to find a best location for a Chinese restaurant, new data frame will be created containing 1) Towns and 2) Chinese restaurants. </a:t>
             </a:r>
-            <a:endParaRPr lang="en-US" b="0" dirty="0"/>
           </a:p>
           <a:p>
             <a:endParaRPr lang="en-US" dirty="0"/>
